--- a/doc/SoftwareDesign/Mediator/Mediator.pptx
+++ b/doc/SoftwareDesign/Mediator/Mediator.pptx
@@ -6,8 +6,16 @@
   </p:sldMasterIdLst>
   <p:sldIdLst>
     <p:sldId id="256" r:id="rId2"/>
-    <p:sldId id="257" r:id="rId3"/>
-    <p:sldId id="258" r:id="rId4"/>
+    <p:sldId id="259" r:id="rId3"/>
+    <p:sldId id="257" r:id="rId4"/>
+    <p:sldId id="258" r:id="rId5"/>
+    <p:sldId id="260" r:id="rId6"/>
+    <p:sldId id="261" r:id="rId7"/>
+    <p:sldId id="262" r:id="rId8"/>
+    <p:sldId id="266" r:id="rId9"/>
+    <p:sldId id="263" r:id="rId10"/>
+    <p:sldId id="264" r:id="rId11"/>
+    <p:sldId id="265" r:id="rId12"/>
   </p:sldIdLst>
   <p:sldSz cx="12192000" cy="6858000"/>
   <p:notesSz cx="6858000" cy="9144000"/>
@@ -106,6 +114,11 @@
       </a:defRPr>
     </a:lvl9pPr>
   </p:defaultTextStyle>
+  <p:extLst>
+    <p:ext uri="{EFAFB233-063F-42B5-8137-9DF3F51BA10A}">
+      <p15:sldGuideLst xmlns:p15="http://schemas.microsoft.com/office/powerpoint/2012/main"/>
+    </p:ext>
+  </p:extLst>
 </p:presentation>
 </file>
 
@@ -256,7 +269,7 @@
           <a:p>
             <a:fld id="{F52360D0-C567-4727-B99A-616A96D974A1}" type="datetimeFigureOut">
               <a:rPr lang="zh-CN" altLang="en-US" smtClean="0"/>
-              <a:t>2020/8/3</a:t>
+              <a:t>2020/8/5</a:t>
             </a:fld>
             <a:endParaRPr lang="zh-CN" altLang="en-US"/>
           </a:p>
@@ -454,7 +467,7 @@
           <a:p>
             <a:fld id="{F52360D0-C567-4727-B99A-616A96D974A1}" type="datetimeFigureOut">
               <a:rPr lang="zh-CN" altLang="en-US" smtClean="0"/>
-              <a:t>2020/8/3</a:t>
+              <a:t>2020/8/5</a:t>
             </a:fld>
             <a:endParaRPr lang="zh-CN" altLang="en-US"/>
           </a:p>
@@ -662,7 +675,7 @@
           <a:p>
             <a:fld id="{F52360D0-C567-4727-B99A-616A96D974A1}" type="datetimeFigureOut">
               <a:rPr lang="zh-CN" altLang="en-US" smtClean="0"/>
-              <a:t>2020/8/3</a:t>
+              <a:t>2020/8/5</a:t>
             </a:fld>
             <a:endParaRPr lang="zh-CN" altLang="en-US"/>
           </a:p>
@@ -860,7 +873,7 @@
           <a:p>
             <a:fld id="{F52360D0-C567-4727-B99A-616A96D974A1}" type="datetimeFigureOut">
               <a:rPr lang="zh-CN" altLang="en-US" smtClean="0"/>
-              <a:t>2020/8/3</a:t>
+              <a:t>2020/8/5</a:t>
             </a:fld>
             <a:endParaRPr lang="zh-CN" altLang="en-US"/>
           </a:p>
@@ -1135,7 +1148,7 @@
           <a:p>
             <a:fld id="{F52360D0-C567-4727-B99A-616A96D974A1}" type="datetimeFigureOut">
               <a:rPr lang="zh-CN" altLang="en-US" smtClean="0"/>
-              <a:t>2020/8/3</a:t>
+              <a:t>2020/8/5</a:t>
             </a:fld>
             <a:endParaRPr lang="zh-CN" altLang="en-US"/>
           </a:p>
@@ -1400,7 +1413,7 @@
           <a:p>
             <a:fld id="{F52360D0-C567-4727-B99A-616A96D974A1}" type="datetimeFigureOut">
               <a:rPr lang="zh-CN" altLang="en-US" smtClean="0"/>
-              <a:t>2020/8/3</a:t>
+              <a:t>2020/8/5</a:t>
             </a:fld>
             <a:endParaRPr lang="zh-CN" altLang="en-US"/>
           </a:p>
@@ -1812,7 +1825,7 @@
           <a:p>
             <a:fld id="{F52360D0-C567-4727-B99A-616A96D974A1}" type="datetimeFigureOut">
               <a:rPr lang="zh-CN" altLang="en-US" smtClean="0"/>
-              <a:t>2020/8/3</a:t>
+              <a:t>2020/8/5</a:t>
             </a:fld>
             <a:endParaRPr lang="zh-CN" altLang="en-US"/>
           </a:p>
@@ -1953,7 +1966,7 @@
           <a:p>
             <a:fld id="{F52360D0-C567-4727-B99A-616A96D974A1}" type="datetimeFigureOut">
               <a:rPr lang="zh-CN" altLang="en-US" smtClean="0"/>
-              <a:t>2020/8/3</a:t>
+              <a:t>2020/8/5</a:t>
             </a:fld>
             <a:endParaRPr lang="zh-CN" altLang="en-US"/>
           </a:p>
@@ -2066,7 +2079,7 @@
           <a:p>
             <a:fld id="{F52360D0-C567-4727-B99A-616A96D974A1}" type="datetimeFigureOut">
               <a:rPr lang="zh-CN" altLang="en-US" smtClean="0"/>
-              <a:t>2020/8/3</a:t>
+              <a:t>2020/8/5</a:t>
             </a:fld>
             <a:endParaRPr lang="zh-CN" altLang="en-US"/>
           </a:p>
@@ -2377,7 +2390,7 @@
           <a:p>
             <a:fld id="{F52360D0-C567-4727-B99A-616A96D974A1}" type="datetimeFigureOut">
               <a:rPr lang="zh-CN" altLang="en-US" smtClean="0"/>
-              <a:t>2020/8/3</a:t>
+              <a:t>2020/8/5</a:t>
             </a:fld>
             <a:endParaRPr lang="zh-CN" altLang="en-US"/>
           </a:p>
@@ -2665,7 +2678,7 @@
           <a:p>
             <a:fld id="{F52360D0-C567-4727-B99A-616A96D974A1}" type="datetimeFigureOut">
               <a:rPr lang="zh-CN" altLang="en-US" smtClean="0"/>
-              <a:t>2020/8/3</a:t>
+              <a:t>2020/8/5</a:t>
             </a:fld>
             <a:endParaRPr lang="zh-CN" altLang="en-US"/>
           </a:p>
@@ -2906,7 +2919,7 @@
           <a:p>
             <a:fld id="{F52360D0-C567-4727-B99A-616A96D974A1}" type="datetimeFigureOut">
               <a:rPr lang="zh-CN" altLang="en-US" smtClean="0"/>
-              <a:t>2020/8/3</a:t>
+              <a:t>2020/8/5</a:t>
             </a:fld>
             <a:endParaRPr lang="zh-CN" altLang="en-US"/>
           </a:p>
@@ -3390,6 +3403,301 @@
 </p:sld>
 </file>
 
+<file path=ppt/slides/slide10.xml><?xml version="1.0" encoding="utf-8"?>
+<p:sld xmlns:a="http://schemas.openxmlformats.org/drawingml/2006/main" xmlns:r="http://schemas.openxmlformats.org/officeDocument/2006/relationships" xmlns:p="http://schemas.openxmlformats.org/presentationml/2006/main">
+  <p:cSld>
+    <p:spTree>
+      <p:nvGrpSpPr>
+        <p:cNvPr id="1" name=""/>
+        <p:cNvGrpSpPr/>
+        <p:nvPr/>
+      </p:nvGrpSpPr>
+      <p:grpSpPr>
+        <a:xfrm>
+          <a:off x="0" y="0"/>
+          <a:ext cx="0" cy="0"/>
+          <a:chOff x="0" y="0"/>
+          <a:chExt cx="0" cy="0"/>
+        </a:xfrm>
+      </p:grpSpPr>
+      <p:sp>
+        <p:nvSpPr>
+          <p:cNvPr id="2" name="标题 1">
+            <a:extLst>
+              <a:ext uri="{FF2B5EF4-FFF2-40B4-BE49-F238E27FC236}">
+                <a16:creationId xmlns:a16="http://schemas.microsoft.com/office/drawing/2014/main" id="{357FCA26-1A10-444C-9FF5-33F0542D1099}"/>
+              </a:ext>
+            </a:extLst>
+          </p:cNvPr>
+          <p:cNvSpPr>
+            <a:spLocks noGrp="1"/>
+          </p:cNvSpPr>
+          <p:nvPr>
+            <p:ph type="title"/>
+          </p:nvPr>
+        </p:nvSpPr>
+        <p:spPr/>
+        <p:txBody>
+          <a:bodyPr/>
+          <a:lstStyle/>
+          <a:p>
+            <a:r>
+              <a:rPr lang="en-US" altLang="zh-CN" dirty="0"/>
+              <a:t>WorkFlow4</a:t>
+            </a:r>
+            <a:endParaRPr lang="zh-CN" altLang="en-US" dirty="0"/>
+          </a:p>
+        </p:txBody>
+      </p:sp>
+      <p:sp>
+        <p:nvSpPr>
+          <p:cNvPr id="3" name="内容占位符 2">
+            <a:extLst>
+              <a:ext uri="{FF2B5EF4-FFF2-40B4-BE49-F238E27FC236}">
+                <a16:creationId xmlns:a16="http://schemas.microsoft.com/office/drawing/2014/main" id="{0C634C03-9CEA-4A71-9903-E5BD77802D8F}"/>
+              </a:ext>
+            </a:extLst>
+          </p:cNvPr>
+          <p:cNvSpPr>
+            <a:spLocks noGrp="1"/>
+          </p:cNvSpPr>
+          <p:nvPr>
+            <p:ph idx="1"/>
+          </p:nvPr>
+        </p:nvSpPr>
+        <p:spPr/>
+        <p:txBody>
+          <a:bodyPr/>
+          <a:lstStyle/>
+          <a:p>
+            <a:r>
+              <a:rPr lang="en-US" altLang="zh-CN" dirty="0"/>
+              <a:t>Input: </a:t>
+            </a:r>
+          </a:p>
+          <a:p>
+            <a:pPr lvl="1"/>
+            <a:r>
+              <a:rPr lang="en-US" altLang="zh-CN" dirty="0"/>
+              <a:t>MSG_TYPE_MEDIATOR_CMD </a:t>
+            </a:r>
+          </a:p>
+          <a:p>
+            <a:pPr lvl="2"/>
+            <a:r>
+              <a:rPr lang="en-US" altLang="zh-CN" dirty="0"/>
+              <a:t>get</a:t>
+            </a:r>
+            <a:r>
+              <a:rPr lang="zh-CN" altLang="en-US" dirty="0"/>
+              <a:t> </a:t>
+            </a:r>
+            <a:r>
+              <a:rPr lang="en-US" altLang="zh-CN" dirty="0"/>
+              <a:t>CMD_TYPE_GET_TOPOLOGY from measurement</a:t>
+            </a:r>
+          </a:p>
+          <a:p>
+            <a:r>
+              <a:rPr lang="en-US" altLang="zh-CN" dirty="0"/>
+              <a:t>Process:</a:t>
+            </a:r>
+          </a:p>
+          <a:p>
+            <a:pPr lvl="1"/>
+            <a:r>
+              <a:rPr lang="en-US" altLang="zh-CN" dirty="0"/>
+              <a:t>Store this command, its state</a:t>
+            </a:r>
+          </a:p>
+          <a:p>
+            <a:r>
+              <a:rPr lang="en-US" altLang="zh-CN" dirty="0"/>
+              <a:t>Output:</a:t>
+            </a:r>
+          </a:p>
+          <a:p>
+            <a:pPr lvl="1"/>
+            <a:r>
+              <a:rPr lang="nb-NO" altLang="zh-CN" dirty="0"/>
+              <a:t>MSG_TYPE_NETWORK_CONTROLLER_CMD</a:t>
+            </a:r>
+            <a:endParaRPr lang="en-US" altLang="zh-CN" dirty="0"/>
+          </a:p>
+          <a:p>
+            <a:pPr lvl="2"/>
+            <a:r>
+              <a:rPr lang="en-US" altLang="zh-CN" dirty="0"/>
+              <a:t>CMD_TYPE_GET_TOPOLOGY to </a:t>
+            </a:r>
+            <a:r>
+              <a:rPr lang="en-US" altLang="zh-CN" dirty="0" err="1"/>
+              <a:t>networkController</a:t>
+            </a:r>
+            <a:endParaRPr lang="en-US" altLang="zh-CN" dirty="0"/>
+          </a:p>
+        </p:txBody>
+      </p:sp>
+    </p:spTree>
+    <p:extLst>
+      <p:ext uri="{BB962C8B-B14F-4D97-AF65-F5344CB8AC3E}">
+        <p14:creationId xmlns:p14="http://schemas.microsoft.com/office/powerpoint/2010/main" val="673030090"/>
+      </p:ext>
+    </p:extLst>
+  </p:cSld>
+  <p:clrMapOvr>
+    <a:masterClrMapping/>
+  </p:clrMapOvr>
+</p:sld>
+</file>
+
+<file path=ppt/slides/slide11.xml><?xml version="1.0" encoding="utf-8"?>
+<p:sld xmlns:a="http://schemas.openxmlformats.org/drawingml/2006/main" xmlns:r="http://schemas.openxmlformats.org/officeDocument/2006/relationships" xmlns:p="http://schemas.openxmlformats.org/presentationml/2006/main">
+  <p:cSld>
+    <p:spTree>
+      <p:nvGrpSpPr>
+        <p:cNvPr id="1" name=""/>
+        <p:cNvGrpSpPr/>
+        <p:nvPr/>
+      </p:nvGrpSpPr>
+      <p:grpSpPr>
+        <a:xfrm>
+          <a:off x="0" y="0"/>
+          <a:ext cx="0" cy="0"/>
+          <a:chOff x="0" y="0"/>
+          <a:chExt cx="0" cy="0"/>
+        </a:xfrm>
+      </p:grpSpPr>
+      <p:sp>
+        <p:nvSpPr>
+          <p:cNvPr id="2" name="标题 1">
+            <a:extLst>
+              <a:ext uri="{FF2B5EF4-FFF2-40B4-BE49-F238E27FC236}">
+                <a16:creationId xmlns:a16="http://schemas.microsoft.com/office/drawing/2014/main" id="{357FCA26-1A10-444C-9FF5-33F0542D1099}"/>
+              </a:ext>
+            </a:extLst>
+          </p:cNvPr>
+          <p:cNvSpPr>
+            <a:spLocks noGrp="1"/>
+          </p:cNvSpPr>
+          <p:nvPr>
+            <p:ph type="title"/>
+          </p:nvPr>
+        </p:nvSpPr>
+        <p:spPr/>
+        <p:txBody>
+          <a:bodyPr/>
+          <a:lstStyle/>
+          <a:p>
+            <a:r>
+              <a:rPr lang="en-US" altLang="zh-CN" dirty="0"/>
+              <a:t>WorkFlow5</a:t>
+            </a:r>
+            <a:endParaRPr lang="zh-CN" altLang="en-US" dirty="0"/>
+          </a:p>
+        </p:txBody>
+      </p:sp>
+      <p:sp>
+        <p:nvSpPr>
+          <p:cNvPr id="3" name="内容占位符 2">
+            <a:extLst>
+              <a:ext uri="{FF2B5EF4-FFF2-40B4-BE49-F238E27FC236}">
+                <a16:creationId xmlns:a16="http://schemas.microsoft.com/office/drawing/2014/main" id="{0C634C03-9CEA-4A71-9903-E5BD77802D8F}"/>
+              </a:ext>
+            </a:extLst>
+          </p:cNvPr>
+          <p:cNvSpPr>
+            <a:spLocks noGrp="1"/>
+          </p:cNvSpPr>
+          <p:nvPr>
+            <p:ph idx="1"/>
+          </p:nvPr>
+        </p:nvSpPr>
+        <p:spPr/>
+        <p:txBody>
+          <a:bodyPr/>
+          <a:lstStyle/>
+          <a:p>
+            <a:r>
+              <a:rPr lang="en-US" altLang="zh-CN" dirty="0"/>
+              <a:t>Input: </a:t>
+            </a:r>
+          </a:p>
+          <a:p>
+            <a:pPr lvl="1"/>
+            <a:r>
+              <a:rPr lang="en-US" altLang="zh-CN" dirty="0"/>
+              <a:t>MSG_TYPE_MEDIATOR_CMD </a:t>
+            </a:r>
+          </a:p>
+          <a:p>
+            <a:pPr lvl="2"/>
+            <a:r>
+              <a:rPr lang="en-US" altLang="zh-CN" dirty="0"/>
+              <a:t>get</a:t>
+            </a:r>
+            <a:r>
+              <a:rPr lang="zh-CN" altLang="en-US" dirty="0"/>
+              <a:t> </a:t>
+            </a:r>
+            <a:r>
+              <a:rPr lang="en-US" altLang="zh-CN" dirty="0"/>
+              <a:t>CMD_TYPE_GET_NF_STATUE from measurement</a:t>
+            </a:r>
+          </a:p>
+          <a:p>
+            <a:r>
+              <a:rPr lang="en-US" altLang="zh-CN" dirty="0"/>
+              <a:t>Process:</a:t>
+            </a:r>
+          </a:p>
+          <a:p>
+            <a:pPr lvl="1"/>
+            <a:r>
+              <a:rPr lang="en-US" altLang="zh-CN" dirty="0"/>
+              <a:t>Store this command, its state</a:t>
+            </a:r>
+          </a:p>
+          <a:p>
+            <a:r>
+              <a:rPr lang="en-US" altLang="zh-CN" dirty="0"/>
+              <a:t>Output:</a:t>
+            </a:r>
+          </a:p>
+          <a:p>
+            <a:pPr lvl="1"/>
+            <a:r>
+              <a:rPr lang="sv-SE" altLang="zh-CN" dirty="0"/>
+              <a:t>MSG_TYPE_DOCKER_CONTROLLER_CMD</a:t>
+            </a:r>
+          </a:p>
+          <a:p>
+            <a:pPr lvl="2"/>
+            <a:r>
+              <a:rPr lang="en-US" altLang="zh-CN" dirty="0"/>
+              <a:t>CMD_TYPE_GET_SFCI_STATUE to </a:t>
+            </a:r>
+            <a:r>
+              <a:rPr lang="en-US" altLang="zh-CN" dirty="0" err="1"/>
+              <a:t>dockerController</a:t>
+            </a:r>
+            <a:endParaRPr lang="en-US" altLang="zh-CN" dirty="0"/>
+          </a:p>
+        </p:txBody>
+      </p:sp>
+    </p:spTree>
+    <p:extLst>
+      <p:ext uri="{BB962C8B-B14F-4D97-AF65-F5344CB8AC3E}">
+        <p14:creationId xmlns:p14="http://schemas.microsoft.com/office/powerpoint/2010/main" val="3569072579"/>
+      </p:ext>
+    </p:extLst>
+  </p:cSld>
+  <p:clrMapOvr>
+    <a:masterClrMapping/>
+  </p:clrMapOvr>
+</p:sld>
+</file>
+
 <file path=ppt/slides/slide2.xml><?xml version="1.0" encoding="utf-8"?>
 <p:sld xmlns:a="http://schemas.openxmlformats.org/drawingml/2006/main" xmlns:r="http://schemas.openxmlformats.org/officeDocument/2006/relationships" xmlns:p="http://schemas.openxmlformats.org/presentationml/2006/main">
   <p:cSld>
@@ -3412,7 +3720,7 @@
           <p:cNvPr id="2" name="标题 1">
             <a:extLst>
               <a:ext uri="{FF2B5EF4-FFF2-40B4-BE49-F238E27FC236}">
-                <a16:creationId xmlns:a16="http://schemas.microsoft.com/office/drawing/2014/main" id="{D0991A3D-9F34-4F19-BC66-078BC6A3D2E2}"/>
+                <a16:creationId xmlns:a16="http://schemas.microsoft.com/office/drawing/2014/main" id="{8A9D1222-6829-47DE-822E-CC625EF97B22}"/>
               </a:ext>
             </a:extLst>
           </p:cNvPr>
@@ -3430,7 +3738,7 @@
           <a:p>
             <a:r>
               <a:rPr lang="en-US" altLang="zh-CN" dirty="0"/>
-              <a:t>Requirement</a:t>
+              <a:t>Functions</a:t>
             </a:r>
             <a:endParaRPr lang="zh-CN" altLang="en-US" dirty="0"/>
           </a:p>
@@ -3441,7 +3749,7 @@
           <p:cNvPr id="3" name="内容占位符 2">
             <a:extLst>
               <a:ext uri="{FF2B5EF4-FFF2-40B4-BE49-F238E27FC236}">
-                <a16:creationId xmlns:a16="http://schemas.microsoft.com/office/drawing/2014/main" id="{2482977B-8849-4DBE-B228-E21B2238C0A4}"/>
+                <a16:creationId xmlns:a16="http://schemas.microsoft.com/office/drawing/2014/main" id="{95545322-9DE1-4E38-9D39-56DC1D301622}"/>
               </a:ext>
             </a:extLst>
           </p:cNvPr>
@@ -3454,165 +3762,92 @@
         </p:nvSpPr>
         <p:spPr/>
         <p:txBody>
-          <a:bodyPr>
-            <a:normAutofit lnSpcReduction="10000"/>
-          </a:bodyPr>
-          <a:lstStyle/>
-          <a:p>
-            <a:r>
-              <a:rPr lang="zh-CN" altLang="en-US" dirty="0"/>
-              <a:t>读取网络配置：</a:t>
+          <a:bodyPr/>
+          <a:lstStyle/>
+          <a:p>
+            <a:r>
+              <a:rPr lang="zh-CN" altLang="en-US" dirty="0"/>
+              <a:t>承上启下，屏蔽模块</a:t>
             </a:r>
             <a:endParaRPr lang="en-US" altLang="zh-CN" dirty="0"/>
           </a:p>
           <a:p>
+            <a:r>
+              <a:rPr lang="zh-CN" altLang="en-US" dirty="0"/>
+              <a:t>承上：</a:t>
+            </a:r>
+            <a:r>
+              <a:rPr lang="en-US" altLang="zh-CN" dirty="0"/>
+              <a:t>Orchestration</a:t>
+            </a:r>
+            <a:r>
+              <a:rPr lang="zh-CN" altLang="en-US" dirty="0"/>
+              <a:t>、</a:t>
+            </a:r>
+            <a:r>
+              <a:rPr lang="en-US" altLang="zh-CN" dirty="0"/>
+              <a:t>Measurement</a:t>
+            </a:r>
+          </a:p>
+          <a:p>
+            <a:r>
+              <a:rPr lang="zh-CN" altLang="en-US" dirty="0"/>
+              <a:t>启下：各种模块。有两种模式：</a:t>
+            </a:r>
+            <a:endParaRPr lang="en-US" altLang="zh-CN" dirty="0"/>
+          </a:p>
+          <a:p>
             <a:pPr lvl="1"/>
             <a:r>
               <a:rPr lang="zh-CN" altLang="en-US" dirty="0"/>
-              <a:t>交换机控制器：</a:t>
-            </a:r>
-            <a:r>
-              <a:rPr lang="en-US" altLang="zh-CN" dirty="0"/>
-              <a:t>ONOS/FLOODLIGHT/RYU </a:t>
-            </a:r>
-            <a:r>
-              <a:rPr lang="zh-CN" altLang="en-US" dirty="0"/>
-              <a:t>（项目里面只用</a:t>
-            </a:r>
-            <a:r>
-              <a:rPr lang="en-US" altLang="zh-CN" dirty="0"/>
-              <a:t>ONOS</a:t>
-            </a:r>
-            <a:r>
-              <a:rPr lang="zh-CN" altLang="en-US" dirty="0"/>
-              <a:t>）</a:t>
-            </a:r>
-            <a:endParaRPr lang="en-US" altLang="zh-CN" dirty="0"/>
+              <a:t>第一种（期刊使用）：</a:t>
+            </a:r>
+            <a:r>
+              <a:rPr lang="en-US" altLang="zh-CN" dirty="0"/>
+              <a:t>Ryu controller</a:t>
+            </a:r>
+            <a:r>
+              <a:rPr lang="zh-CN" altLang="en-US" dirty="0"/>
+              <a:t>、</a:t>
+            </a:r>
+            <a:r>
+              <a:rPr lang="en-US" altLang="zh-CN" dirty="0"/>
+              <a:t>Classifier Controller</a:t>
+            </a:r>
+            <a:r>
+              <a:rPr lang="zh-CN" altLang="en-US" dirty="0"/>
+              <a:t>、</a:t>
+            </a:r>
+            <a:r>
+              <a:rPr lang="en-US" altLang="zh-CN" dirty="0"/>
+              <a:t>BESS Controller</a:t>
+            </a:r>
+            <a:r>
+              <a:rPr lang="zh-CN" altLang="en-US" dirty="0"/>
+              <a:t>、</a:t>
+            </a:r>
+            <a:r>
+              <a:rPr lang="en-US" altLang="zh-CN" dirty="0"/>
+              <a:t>Docker Controller</a:t>
+            </a:r>
+            <a:r>
+              <a:rPr lang="zh-CN" altLang="en-US" dirty="0"/>
+              <a:t>、</a:t>
+            </a:r>
+            <a:r>
+              <a:rPr lang="en-US" altLang="zh-CN" dirty="0"/>
+              <a:t>Server Manager</a:t>
+            </a:r>
           </a:p>
           <a:p>
             <a:pPr lvl="1"/>
             <a:r>
               <a:rPr lang="zh-CN" altLang="en-US" dirty="0"/>
-              <a:t>交换机：</a:t>
-            </a:r>
-            <a:r>
-              <a:rPr lang="en-US" altLang="zh-CN" dirty="0"/>
-              <a:t>P4/</a:t>
-            </a:r>
-            <a:r>
-              <a:rPr lang="en-US" altLang="zh-CN" dirty="0" err="1"/>
-              <a:t>OpenFlowSwitch</a:t>
-            </a:r>
-            <a:r>
-              <a:rPr lang="zh-CN" altLang="en-US" dirty="0"/>
-              <a:t>（项目里面只用</a:t>
-            </a:r>
-            <a:r>
-              <a:rPr lang="en-US" altLang="zh-CN" dirty="0"/>
-              <a:t>P4</a:t>
-            </a:r>
-            <a:r>
-              <a:rPr lang="zh-CN" altLang="en-US" dirty="0"/>
-              <a:t>）</a:t>
-            </a:r>
-            <a:endParaRPr lang="en-US" altLang="zh-CN" dirty="0"/>
-          </a:p>
-          <a:p>
-            <a:pPr lvl="1"/>
-            <a:r>
-              <a:rPr lang="en-US" altLang="zh-CN" dirty="0"/>
-              <a:t>Classifier</a:t>
-            </a:r>
-            <a:r>
-              <a:rPr lang="zh-CN" altLang="en-US" dirty="0"/>
-              <a:t>：</a:t>
-            </a:r>
-            <a:r>
-              <a:rPr lang="en-US" altLang="zh-CN" dirty="0"/>
-              <a:t>P4/Server</a:t>
-            </a:r>
-            <a:r>
-              <a:rPr lang="zh-CN" altLang="en-US" dirty="0"/>
-              <a:t>（项目里面只用</a:t>
-            </a:r>
-            <a:r>
-              <a:rPr lang="en-US" altLang="zh-CN" dirty="0"/>
-              <a:t>P4</a:t>
-            </a:r>
-            <a:r>
-              <a:rPr lang="zh-CN" altLang="en-US" dirty="0"/>
-              <a:t>）</a:t>
-            </a:r>
-            <a:endParaRPr lang="en-US" altLang="zh-CN" dirty="0"/>
-          </a:p>
-          <a:p>
-            <a:pPr lvl="1"/>
-            <a:r>
-              <a:rPr lang="en-US" altLang="zh-CN" dirty="0"/>
-              <a:t>NF</a:t>
-            </a:r>
-            <a:r>
-              <a:rPr lang="zh-CN" altLang="en-US" dirty="0"/>
-              <a:t>：</a:t>
-            </a:r>
-            <a:r>
-              <a:rPr lang="en-US" altLang="zh-CN" dirty="0"/>
-              <a:t>P4 support</a:t>
-            </a:r>
-            <a:r>
-              <a:rPr lang="zh-CN" altLang="en-US" dirty="0"/>
-              <a:t>？</a:t>
-            </a:r>
-            <a:r>
-              <a:rPr lang="en-US" altLang="zh-CN" dirty="0"/>
-              <a:t>Server</a:t>
-            </a:r>
-            <a:r>
-              <a:rPr lang="zh-CN" altLang="en-US" dirty="0"/>
-              <a:t> </a:t>
-            </a:r>
-            <a:r>
-              <a:rPr lang="en-US" altLang="zh-CN" dirty="0"/>
-              <a:t>support</a:t>
-            </a:r>
-            <a:r>
-              <a:rPr lang="zh-CN" altLang="en-US" dirty="0"/>
-              <a:t>？（项目里面两者都用）</a:t>
-            </a:r>
-            <a:endParaRPr lang="en-US" altLang="zh-CN" dirty="0"/>
-          </a:p>
-          <a:p>
-            <a:r>
-              <a:rPr lang="zh-CN" altLang="en-US" dirty="0"/>
-              <a:t>根据命令（</a:t>
-            </a:r>
-            <a:r>
-              <a:rPr lang="en-US" altLang="zh-CN" dirty="0"/>
-              <a:t>add/del </a:t>
-            </a:r>
-            <a:r>
-              <a:rPr lang="en-US" altLang="zh-CN" dirty="0" err="1"/>
-              <a:t>sfci</a:t>
-            </a:r>
-            <a:r>
-              <a:rPr lang="zh-CN" altLang="en-US" dirty="0"/>
-              <a:t>，</a:t>
-            </a:r>
-            <a:r>
-              <a:rPr lang="en-US" altLang="zh-CN" dirty="0"/>
-              <a:t>get topology</a:t>
-            </a:r>
-            <a:r>
-              <a:rPr lang="zh-CN" altLang="en-US" dirty="0"/>
-              <a:t>）向相应的控制器（交换机控制器、</a:t>
-            </a:r>
-            <a:r>
-              <a:rPr lang="en-US" altLang="zh-CN" dirty="0" err="1"/>
-              <a:t>bess</a:t>
-            </a:r>
-            <a:r>
-              <a:rPr lang="en-US" altLang="zh-CN" dirty="0"/>
-              <a:t> controller</a:t>
+              <a:t>第二种（项目使用）：</a:t>
+            </a:r>
+            <a:r>
+              <a:rPr lang="en-US" altLang="zh-CN" dirty="0"/>
+              <a:t>P4 controller</a:t>
             </a:r>
             <a:r>
               <a:rPr lang="zh-CN" altLang="en-US" dirty="0"/>
@@ -3620,85 +3855,32 @@
             </a:r>
             <a:r>
               <a:rPr lang="en-US" altLang="zh-CN" dirty="0"/>
-              <a:t>docker controller</a:t>
-            </a:r>
-            <a:r>
-              <a:rPr lang="zh-CN" altLang="en-US" dirty="0"/>
-              <a:t>等）发送指令。</a:t>
-            </a:r>
-            <a:endParaRPr lang="en-US" altLang="zh-CN" dirty="0"/>
-          </a:p>
-          <a:p>
-            <a:r>
-              <a:rPr lang="zh-CN" altLang="en-US" dirty="0"/>
-              <a:t>最低要求支持以下配置：</a:t>
-            </a:r>
-            <a:endParaRPr lang="en-US" altLang="zh-CN" dirty="0"/>
-          </a:p>
-          <a:p>
-            <a:pPr lvl="1"/>
-            <a:r>
-              <a:rPr lang="zh-CN" altLang="en-US" dirty="0"/>
-              <a:t>纯</a:t>
-            </a:r>
-            <a:r>
-              <a:rPr lang="en-US" altLang="zh-CN" dirty="0"/>
-              <a:t>P4</a:t>
-            </a:r>
-            <a:r>
-              <a:rPr lang="zh-CN" altLang="en-US" dirty="0"/>
-              <a:t>网络</a:t>
-            </a:r>
-            <a:endParaRPr lang="en-US" altLang="zh-CN" dirty="0"/>
-          </a:p>
-          <a:p>
-            <a:pPr lvl="1"/>
-            <a:r>
-              <a:rPr lang="en-US" altLang="zh-CN" dirty="0"/>
-              <a:t>P4</a:t>
-            </a:r>
-            <a:r>
-              <a:rPr lang="zh-CN" altLang="en-US" dirty="0"/>
-              <a:t>和</a:t>
-            </a:r>
-            <a:r>
-              <a:rPr lang="en-US" altLang="zh-CN" dirty="0"/>
-              <a:t>Server</a:t>
-            </a:r>
-            <a:r>
-              <a:rPr lang="zh-CN" altLang="en-US" dirty="0"/>
-              <a:t>都可以部署</a:t>
-            </a:r>
-            <a:r>
-              <a:rPr lang="en-US" altLang="zh-CN" dirty="0"/>
-              <a:t>NFs</a:t>
-            </a:r>
-          </a:p>
-          <a:p>
-            <a:pPr lvl="1"/>
-            <a:r>
-              <a:rPr lang="en-US" altLang="zh-CN" dirty="0"/>
-              <a:t>Classifier</a:t>
-            </a:r>
-            <a:r>
-              <a:rPr lang="zh-CN" altLang="en-US" dirty="0"/>
-              <a:t>用</a:t>
-            </a:r>
-            <a:r>
-              <a:rPr lang="en-US" altLang="zh-CN" dirty="0"/>
-              <a:t>P4</a:t>
-            </a:r>
-            <a:r>
-              <a:rPr lang="zh-CN" altLang="en-US" dirty="0"/>
-              <a:t>实现</a:t>
-            </a:r>
+              <a:t>BESS Controller</a:t>
+            </a:r>
+            <a:r>
+              <a:rPr lang="zh-CN" altLang="en-US" dirty="0"/>
+              <a:t>、</a:t>
+            </a:r>
+            <a:r>
+              <a:rPr lang="en-US" altLang="zh-CN" dirty="0"/>
+              <a:t>Docker Controller</a:t>
+            </a:r>
+            <a:r>
+              <a:rPr lang="zh-CN" altLang="en-US" dirty="0"/>
+              <a:t>、</a:t>
+            </a:r>
+            <a:r>
+              <a:rPr lang="en-US" altLang="zh-CN" dirty="0"/>
+              <a:t>Server Manager</a:t>
+            </a:r>
+            <a:endParaRPr lang="zh-CN" altLang="en-US" dirty="0"/>
           </a:p>
         </p:txBody>
       </p:sp>
     </p:spTree>
     <p:extLst>
       <p:ext uri="{BB962C8B-B14F-4D97-AF65-F5344CB8AC3E}">
-        <p14:creationId xmlns:p14="http://schemas.microsoft.com/office/powerpoint/2010/main" val="168399135"/>
+        <p14:creationId xmlns:p14="http://schemas.microsoft.com/office/powerpoint/2010/main" val="2772334011"/>
       </p:ext>
     </p:extLst>
   </p:cSld>
@@ -3730,6 +3912,186 @@
           <p:cNvPr id="2" name="标题 1">
             <a:extLst>
               <a:ext uri="{FF2B5EF4-FFF2-40B4-BE49-F238E27FC236}">
+                <a16:creationId xmlns:a16="http://schemas.microsoft.com/office/drawing/2014/main" id="{D0991A3D-9F34-4F19-BC66-078BC6A3D2E2}"/>
+              </a:ext>
+            </a:extLst>
+          </p:cNvPr>
+          <p:cNvSpPr>
+            <a:spLocks noGrp="1"/>
+          </p:cNvSpPr>
+          <p:nvPr>
+            <p:ph type="title"/>
+          </p:nvPr>
+        </p:nvSpPr>
+        <p:spPr/>
+        <p:txBody>
+          <a:bodyPr/>
+          <a:lstStyle/>
+          <a:p>
+            <a:r>
+              <a:rPr lang="en-US" altLang="zh-CN" dirty="0"/>
+              <a:t>Requirement</a:t>
+            </a:r>
+            <a:endParaRPr lang="zh-CN" altLang="en-US" dirty="0"/>
+          </a:p>
+        </p:txBody>
+      </p:sp>
+      <p:sp>
+        <p:nvSpPr>
+          <p:cNvPr id="3" name="内容占位符 2">
+            <a:extLst>
+              <a:ext uri="{FF2B5EF4-FFF2-40B4-BE49-F238E27FC236}">
+                <a16:creationId xmlns:a16="http://schemas.microsoft.com/office/drawing/2014/main" id="{2482977B-8849-4DBE-B228-E21B2238C0A4}"/>
+              </a:ext>
+            </a:extLst>
+          </p:cNvPr>
+          <p:cNvSpPr>
+            <a:spLocks noGrp="1"/>
+          </p:cNvSpPr>
+          <p:nvPr>
+            <p:ph idx="1"/>
+          </p:nvPr>
+        </p:nvSpPr>
+        <p:spPr/>
+        <p:txBody>
+          <a:bodyPr>
+            <a:normAutofit/>
+          </a:bodyPr>
+          <a:lstStyle/>
+          <a:p>
+            <a:r>
+              <a:rPr lang="zh-CN" altLang="en-US" dirty="0"/>
+              <a:t>模式可配置</a:t>
+            </a:r>
+            <a:endParaRPr lang="en-US" altLang="zh-CN" dirty="0"/>
+          </a:p>
+          <a:p>
+            <a:r>
+              <a:rPr lang="zh-CN" altLang="en-US" dirty="0"/>
+              <a:t>根据命令（</a:t>
+            </a:r>
+            <a:r>
+              <a:rPr lang="en-US" altLang="zh-CN" dirty="0"/>
+              <a:t>add/del </a:t>
+            </a:r>
+            <a:r>
+              <a:rPr lang="en-US" altLang="zh-CN" dirty="0" err="1"/>
+              <a:t>sfci</a:t>
+            </a:r>
+            <a:r>
+              <a:rPr lang="zh-CN" altLang="en-US" dirty="0"/>
+              <a:t>，</a:t>
+            </a:r>
+            <a:r>
+              <a:rPr lang="en-US" altLang="zh-CN" dirty="0"/>
+              <a:t>get topology, get server sets, get </a:t>
+            </a:r>
+            <a:r>
+              <a:rPr lang="en-US" altLang="zh-CN" dirty="0" err="1"/>
+              <a:t>vnfi</a:t>
+            </a:r>
+            <a:r>
+              <a:rPr lang="en-US" altLang="zh-CN" dirty="0"/>
+              <a:t> state</a:t>
+            </a:r>
+            <a:r>
+              <a:rPr lang="zh-CN" altLang="en-US" dirty="0"/>
+              <a:t>）向相应的控制器发送指令。</a:t>
+            </a:r>
+            <a:endParaRPr lang="en-US" altLang="zh-CN" dirty="0"/>
+          </a:p>
+          <a:p>
+            <a:r>
+              <a:rPr lang="zh-CN" altLang="en-US" dirty="0"/>
+              <a:t>纯</a:t>
+            </a:r>
+            <a:r>
+              <a:rPr lang="en-US" altLang="zh-CN" dirty="0"/>
+              <a:t>P4</a:t>
+            </a:r>
+            <a:r>
+              <a:rPr lang="zh-CN" altLang="en-US" dirty="0"/>
+              <a:t>网络</a:t>
+            </a:r>
+            <a:endParaRPr lang="en-US" altLang="zh-CN" dirty="0"/>
+          </a:p>
+          <a:p>
+            <a:r>
+              <a:rPr lang="en-US" altLang="zh-CN" dirty="0"/>
+              <a:t>P4</a:t>
+            </a:r>
+            <a:r>
+              <a:rPr lang="zh-CN" altLang="en-US" dirty="0"/>
+              <a:t>和</a:t>
+            </a:r>
+            <a:r>
+              <a:rPr lang="en-US" altLang="zh-CN" dirty="0"/>
+              <a:t>Server</a:t>
+            </a:r>
+            <a:r>
+              <a:rPr lang="zh-CN" altLang="en-US" dirty="0"/>
+              <a:t>都可以部署</a:t>
+            </a:r>
+            <a:r>
+              <a:rPr lang="en-US" altLang="zh-CN" dirty="0"/>
+              <a:t>NFs</a:t>
+            </a:r>
+          </a:p>
+          <a:p>
+            <a:r>
+              <a:rPr lang="en-US" altLang="zh-CN" dirty="0"/>
+              <a:t>Classifier</a:t>
+            </a:r>
+            <a:r>
+              <a:rPr lang="zh-CN" altLang="en-US" dirty="0"/>
+              <a:t>用</a:t>
+            </a:r>
+            <a:r>
+              <a:rPr lang="en-US" altLang="zh-CN" dirty="0"/>
+              <a:t>P4</a:t>
+            </a:r>
+            <a:r>
+              <a:rPr lang="zh-CN" altLang="en-US" dirty="0"/>
+              <a:t>实现</a:t>
+            </a:r>
+          </a:p>
+        </p:txBody>
+      </p:sp>
+    </p:spTree>
+    <p:extLst>
+      <p:ext uri="{BB962C8B-B14F-4D97-AF65-F5344CB8AC3E}">
+        <p14:creationId xmlns:p14="http://schemas.microsoft.com/office/powerpoint/2010/main" val="168399135"/>
+      </p:ext>
+    </p:extLst>
+  </p:cSld>
+  <p:clrMapOvr>
+    <a:masterClrMapping/>
+  </p:clrMapOvr>
+</p:sld>
+</file>
+
+<file path=ppt/slides/slide4.xml><?xml version="1.0" encoding="utf-8"?>
+<p:sld xmlns:a="http://schemas.openxmlformats.org/drawingml/2006/main" xmlns:r="http://schemas.openxmlformats.org/officeDocument/2006/relationships" xmlns:p="http://schemas.openxmlformats.org/presentationml/2006/main">
+  <p:cSld>
+    <p:spTree>
+      <p:nvGrpSpPr>
+        <p:cNvPr id="1" name=""/>
+        <p:cNvGrpSpPr/>
+        <p:nvPr/>
+      </p:nvGrpSpPr>
+      <p:grpSpPr>
+        <a:xfrm>
+          <a:off x="0" y="0"/>
+          <a:ext cx="0" cy="0"/>
+          <a:chOff x="0" y="0"/>
+          <a:chExt cx="0" cy="0"/>
+        </a:xfrm>
+      </p:grpSpPr>
+      <p:sp>
+        <p:nvSpPr>
+          <p:cNvPr id="2" name="标题 1">
+            <a:extLst>
+              <a:ext uri="{FF2B5EF4-FFF2-40B4-BE49-F238E27FC236}">
                 <a16:creationId xmlns:a16="http://schemas.microsoft.com/office/drawing/2014/main" id="{73B3217C-2658-4FC4-B57C-B6C64698C0B8}"/>
               </a:ext>
             </a:extLst>
@@ -3772,12 +4134,176 @@
         </p:nvSpPr>
         <p:spPr/>
         <p:txBody>
-          <a:bodyPr/>
-          <a:lstStyle/>
-          <a:p>
-            <a:r>
-              <a:rPr lang="zh-CN" altLang="en-US" dirty="0"/>
-              <a:t>处理</a:t>
+          <a:bodyPr>
+            <a:normAutofit/>
+          </a:bodyPr>
+          <a:lstStyle/>
+          <a:p>
+            <a:r>
+              <a:rPr lang="zh-CN" altLang="en-US" dirty="0"/>
+              <a:t>读取系统配置：</a:t>
+            </a:r>
+            <a:endParaRPr lang="en-US" altLang="zh-CN" dirty="0"/>
+          </a:p>
+          <a:p>
+            <a:pPr lvl="1"/>
+            <a:r>
+              <a:rPr lang="zh-CN" altLang="en-US" dirty="0"/>
+              <a:t>交换机：</a:t>
+            </a:r>
+            <a:r>
+              <a:rPr lang="en-US" altLang="zh-CN" dirty="0"/>
+              <a:t>P4/</a:t>
+            </a:r>
+            <a:r>
+              <a:rPr lang="en-US" altLang="zh-CN" dirty="0" err="1"/>
+              <a:t>OpenFlowSwitch</a:t>
+            </a:r>
+            <a:r>
+              <a:rPr lang="zh-CN" altLang="en-US" dirty="0"/>
+              <a:t>（项目里面只用</a:t>
+            </a:r>
+            <a:r>
+              <a:rPr lang="en-US" altLang="zh-CN" dirty="0"/>
+              <a:t>P4</a:t>
+            </a:r>
+            <a:r>
+              <a:rPr lang="zh-CN" altLang="en-US" dirty="0"/>
+              <a:t>）</a:t>
+            </a:r>
+            <a:endParaRPr lang="en-US" altLang="zh-CN" dirty="0"/>
+          </a:p>
+          <a:p>
+            <a:pPr lvl="2"/>
+            <a:r>
+              <a:rPr lang="zh-CN" altLang="en-US" dirty="0"/>
+              <a:t>这个会影响将</a:t>
+            </a:r>
+            <a:r>
+              <a:rPr lang="en-US" altLang="zh-CN" dirty="0"/>
+              <a:t>command</a:t>
+            </a:r>
+            <a:r>
+              <a:rPr lang="zh-CN" altLang="en-US" dirty="0"/>
+              <a:t>发给</a:t>
+            </a:r>
+            <a:r>
+              <a:rPr lang="en-US" altLang="zh-CN" dirty="0"/>
+              <a:t>P4controller</a:t>
+            </a:r>
+            <a:r>
+              <a:rPr lang="zh-CN" altLang="en-US" dirty="0"/>
+              <a:t>还是</a:t>
+            </a:r>
+            <a:r>
+              <a:rPr lang="en-US" altLang="zh-CN" dirty="0" err="1"/>
+              <a:t>SDNcontroller</a:t>
+            </a:r>
+            <a:endParaRPr lang="en-US" altLang="zh-CN" dirty="0"/>
+          </a:p>
+          <a:p>
+            <a:pPr lvl="1"/>
+            <a:r>
+              <a:rPr lang="zh-CN" altLang="en-US" dirty="0"/>
+              <a:t>网络控制器：</a:t>
+            </a:r>
+            <a:r>
+              <a:rPr lang="en-US" altLang="zh-CN" dirty="0"/>
+              <a:t>ONOS/FLOODLIGHT/RYU </a:t>
+            </a:r>
+            <a:r>
+              <a:rPr lang="zh-CN" altLang="en-US" dirty="0"/>
+              <a:t>（项目里面只用</a:t>
+            </a:r>
+            <a:r>
+              <a:rPr lang="en-US" altLang="zh-CN" dirty="0"/>
+              <a:t>ONOS</a:t>
+            </a:r>
+            <a:r>
+              <a:rPr lang="zh-CN" altLang="en-US" dirty="0"/>
+              <a:t>）</a:t>
+            </a:r>
+            <a:endParaRPr lang="en-US" altLang="zh-CN" dirty="0"/>
+          </a:p>
+          <a:p>
+            <a:pPr lvl="2"/>
+            <a:r>
+              <a:rPr lang="zh-CN" altLang="en-US" dirty="0"/>
+              <a:t>从</a:t>
+            </a:r>
+            <a:r>
+              <a:rPr lang="en-US" altLang="zh-CN" dirty="0"/>
+              <a:t>RYU_QUEUE</a:t>
+            </a:r>
+            <a:r>
+              <a:rPr lang="zh-CN" altLang="en-US" dirty="0"/>
+              <a:t>、</a:t>
+            </a:r>
+            <a:r>
+              <a:rPr lang="en-US" altLang="zh-CN" dirty="0"/>
+              <a:t>ONOS_QUEUE </a:t>
+            </a:r>
+            <a:r>
+              <a:rPr lang="zh-CN" altLang="en-US" dirty="0"/>
+              <a:t>、</a:t>
+            </a:r>
+            <a:r>
+              <a:rPr lang="en-US" altLang="zh-CN" dirty="0"/>
+              <a:t>FLOODLIGHT_QUEUE</a:t>
+            </a:r>
+            <a:r>
+              <a:rPr lang="zh-CN" altLang="en-US" dirty="0"/>
+              <a:t>中选择</a:t>
+            </a:r>
+            <a:endParaRPr lang="en-US" altLang="zh-CN" dirty="0"/>
+          </a:p>
+          <a:p>
+            <a:pPr lvl="1"/>
+            <a:r>
+              <a:rPr lang="en-US" altLang="zh-CN" dirty="0"/>
+              <a:t>Classifier</a:t>
+            </a:r>
+            <a:r>
+              <a:rPr lang="zh-CN" altLang="en-US" dirty="0"/>
+              <a:t>：</a:t>
+            </a:r>
+            <a:r>
+              <a:rPr lang="en-US" altLang="zh-CN" dirty="0"/>
+              <a:t>P4/Server</a:t>
+            </a:r>
+            <a:r>
+              <a:rPr lang="zh-CN" altLang="en-US" dirty="0"/>
+              <a:t>（项目里面只用</a:t>
+            </a:r>
+            <a:r>
+              <a:rPr lang="en-US" altLang="zh-CN" dirty="0"/>
+              <a:t>P4</a:t>
+            </a:r>
+            <a:r>
+              <a:rPr lang="zh-CN" altLang="en-US" dirty="0"/>
+              <a:t>）</a:t>
+            </a:r>
+            <a:endParaRPr lang="en-US" altLang="zh-CN" dirty="0"/>
+          </a:p>
+          <a:p>
+            <a:pPr lvl="2"/>
+            <a:r>
+              <a:rPr lang="en-US" altLang="zh-CN" dirty="0"/>
+              <a:t>Command</a:t>
+            </a:r>
+            <a:r>
+              <a:rPr lang="zh-CN" altLang="en-US" dirty="0"/>
+              <a:t>发给：</a:t>
+            </a:r>
+            <a:r>
+              <a:rPr lang="en-US" altLang="zh-CN" dirty="0"/>
+              <a:t>P4_QUEUE, SERVER_CLASSIFIER_CONTROLLER_QUEUE</a:t>
+            </a:r>
+          </a:p>
+          <a:p>
+            <a:r>
+              <a:rPr lang="zh-CN" altLang="en-US" dirty="0"/>
+              <a:t>截取</a:t>
             </a:r>
             <a:r>
               <a:rPr lang="en-US" altLang="zh-CN" dirty="0"/>
@@ -3793,15 +4319,9 @@
             </a:r>
             <a:r>
               <a:rPr lang="zh-CN" altLang="en-US" dirty="0"/>
-              <a:t>。</a:t>
+              <a:t>，修改并转发</a:t>
             </a:r>
             <a:endParaRPr lang="en-US" altLang="zh-CN" dirty="0"/>
-          </a:p>
-          <a:p>
-            <a:r>
-              <a:rPr lang="zh-CN" altLang="en-US" dirty="0"/>
-              <a:t>无状态设计</a:t>
-            </a:r>
           </a:p>
         </p:txBody>
       </p:sp>
@@ -3809,6 +4329,1063 @@
     <p:extLst>
       <p:ext uri="{BB962C8B-B14F-4D97-AF65-F5344CB8AC3E}">
         <p14:creationId xmlns:p14="http://schemas.microsoft.com/office/powerpoint/2010/main" val="1494658726"/>
+      </p:ext>
+    </p:extLst>
+  </p:cSld>
+  <p:clrMapOvr>
+    <a:masterClrMapping/>
+  </p:clrMapOvr>
+</p:sld>
+</file>
+
+<file path=ppt/slides/slide5.xml><?xml version="1.0" encoding="utf-8"?>
+<p:sld xmlns:a="http://schemas.openxmlformats.org/drawingml/2006/main" xmlns:r="http://schemas.openxmlformats.org/officeDocument/2006/relationships" xmlns:p="http://schemas.openxmlformats.org/presentationml/2006/main">
+  <p:cSld>
+    <p:spTree>
+      <p:nvGrpSpPr>
+        <p:cNvPr id="1" name=""/>
+        <p:cNvGrpSpPr/>
+        <p:nvPr/>
+      </p:nvGrpSpPr>
+      <p:grpSpPr>
+        <a:xfrm>
+          <a:off x="0" y="0"/>
+          <a:ext cx="0" cy="0"/>
+          <a:chOff x="0" y="0"/>
+          <a:chExt cx="0" cy="0"/>
+        </a:xfrm>
+      </p:grpSpPr>
+      <p:sp>
+        <p:nvSpPr>
+          <p:cNvPr id="2" name="标题 1">
+            <a:extLst>
+              <a:ext uri="{FF2B5EF4-FFF2-40B4-BE49-F238E27FC236}">
+                <a16:creationId xmlns:a16="http://schemas.microsoft.com/office/drawing/2014/main" id="{357FCA26-1A10-444C-9FF5-33F0542D1099}"/>
+              </a:ext>
+            </a:extLst>
+          </p:cNvPr>
+          <p:cNvSpPr>
+            <a:spLocks noGrp="1"/>
+          </p:cNvSpPr>
+          <p:nvPr>
+            <p:ph type="title"/>
+          </p:nvPr>
+        </p:nvSpPr>
+        <p:spPr/>
+        <p:txBody>
+          <a:bodyPr/>
+          <a:lstStyle/>
+          <a:p>
+            <a:r>
+              <a:rPr lang="en-US" altLang="zh-CN" dirty="0"/>
+              <a:t>WorkFlow1- SDN switch</a:t>
+            </a:r>
+            <a:endParaRPr lang="zh-CN" altLang="en-US" dirty="0"/>
+          </a:p>
+        </p:txBody>
+      </p:sp>
+      <p:sp>
+        <p:nvSpPr>
+          <p:cNvPr id="3" name="内容占位符 2">
+            <a:extLst>
+              <a:ext uri="{FF2B5EF4-FFF2-40B4-BE49-F238E27FC236}">
+                <a16:creationId xmlns:a16="http://schemas.microsoft.com/office/drawing/2014/main" id="{0C634C03-9CEA-4A71-9903-E5BD77802D8F}"/>
+              </a:ext>
+            </a:extLst>
+          </p:cNvPr>
+          <p:cNvSpPr>
+            <a:spLocks noGrp="1"/>
+          </p:cNvSpPr>
+          <p:nvPr>
+            <p:ph idx="1"/>
+          </p:nvPr>
+        </p:nvSpPr>
+        <p:spPr/>
+        <p:txBody>
+          <a:bodyPr>
+            <a:normAutofit fontScale="85000" lnSpcReduction="20000"/>
+          </a:bodyPr>
+          <a:lstStyle/>
+          <a:p>
+            <a:r>
+              <a:rPr lang="en-US" altLang="zh-CN" dirty="0"/>
+              <a:t>Input: </a:t>
+            </a:r>
+          </a:p>
+          <a:p>
+            <a:pPr lvl="1"/>
+            <a:r>
+              <a:rPr lang="en-US" altLang="zh-CN" dirty="0"/>
+              <a:t>MSG_TYPE_MEDIATOR_CMD </a:t>
+            </a:r>
+          </a:p>
+          <a:p>
+            <a:pPr lvl="2"/>
+            <a:r>
+              <a:rPr lang="en-US" altLang="zh-CN" dirty="0"/>
+              <a:t>get</a:t>
+            </a:r>
+            <a:r>
+              <a:rPr lang="zh-CN" altLang="en-US" dirty="0"/>
+              <a:t> </a:t>
+            </a:r>
+            <a:r>
+              <a:rPr lang="en-US" altLang="zh-CN" dirty="0"/>
+              <a:t>CMD_TYPE_ADD_SFCI from orchestration</a:t>
+            </a:r>
+          </a:p>
+          <a:p>
+            <a:r>
+              <a:rPr lang="en-US" altLang="zh-CN" dirty="0"/>
+              <a:t>Process:</a:t>
+            </a:r>
+          </a:p>
+          <a:p>
+            <a:pPr lvl="1"/>
+            <a:r>
+              <a:rPr lang="en-US" altLang="zh-CN" dirty="0"/>
+              <a:t>Store this command, its state: (state, state, state, state)</a:t>
+            </a:r>
+          </a:p>
+          <a:p>
+            <a:pPr lvl="1"/>
+            <a:r>
+              <a:rPr lang="zh-CN" altLang="en-US" dirty="0"/>
+              <a:t>先发送给</a:t>
+            </a:r>
+            <a:r>
+              <a:rPr lang="en-US" altLang="zh-CN" dirty="0" err="1"/>
+              <a:t>bessController</a:t>
+            </a:r>
+            <a:r>
+              <a:rPr lang="zh-CN" altLang="en-US" dirty="0"/>
+              <a:t>；再发送</a:t>
+            </a:r>
+            <a:r>
+              <a:rPr lang="en-US" altLang="zh-CN" dirty="0" err="1"/>
+              <a:t>dockerController</a:t>
+            </a:r>
+            <a:r>
+              <a:rPr lang="zh-CN" altLang="en-US" dirty="0"/>
+              <a:t>，需要</a:t>
+            </a:r>
+            <a:r>
+              <a:rPr lang="en-US" altLang="zh-CN" dirty="0"/>
+              <a:t>state</a:t>
+            </a:r>
+            <a:r>
+              <a:rPr lang="zh-CN" altLang="en-US" dirty="0"/>
+              <a:t>状态机的转换</a:t>
+            </a:r>
+            <a:endParaRPr lang="en-US" altLang="zh-CN" dirty="0"/>
+          </a:p>
+          <a:p>
+            <a:r>
+              <a:rPr lang="en-US" altLang="zh-CN" dirty="0"/>
+              <a:t>Output:</a:t>
+            </a:r>
+          </a:p>
+          <a:p>
+            <a:pPr lvl="1"/>
+            <a:r>
+              <a:rPr lang="nb-NO" altLang="zh-CN" dirty="0"/>
+              <a:t>MSG_TYPE_NETWORK_CONTROLLER_CMD</a:t>
+            </a:r>
+            <a:endParaRPr lang="en-US" altLang="zh-CN" dirty="0"/>
+          </a:p>
+          <a:p>
+            <a:pPr lvl="2"/>
+            <a:r>
+              <a:rPr lang="en-US" altLang="zh-CN" dirty="0"/>
+              <a:t>CMD_TYPE_ADD_SFCI to </a:t>
+            </a:r>
+            <a:r>
+              <a:rPr lang="en-US" altLang="zh-CN" dirty="0" err="1"/>
+              <a:t>networkController</a:t>
+            </a:r>
+            <a:endParaRPr lang="en-US" altLang="zh-CN" dirty="0"/>
+          </a:p>
+          <a:p>
+            <a:pPr lvl="1"/>
+            <a:r>
+              <a:rPr lang="fr-FR" altLang="zh-CN" dirty="0"/>
+              <a:t>MSG_TYPE_CLASSIFIER_CONTROLLER_CMD</a:t>
+            </a:r>
+            <a:endParaRPr lang="en-US" altLang="zh-CN" dirty="0"/>
+          </a:p>
+          <a:p>
+            <a:pPr lvl="2"/>
+            <a:r>
+              <a:rPr lang="en-US" altLang="zh-CN" dirty="0"/>
+              <a:t>CMD_TYPE_ADD_SFCI to </a:t>
+            </a:r>
+            <a:r>
+              <a:rPr lang="en-US" altLang="zh-CN" dirty="0" err="1"/>
+              <a:t>classifierController</a:t>
+            </a:r>
+            <a:endParaRPr lang="en-US" altLang="zh-CN" dirty="0"/>
+          </a:p>
+          <a:p>
+            <a:pPr lvl="1"/>
+            <a:r>
+              <a:rPr lang="en-US" altLang="zh-CN" dirty="0"/>
+              <a:t>MSG_TYPE_BESS_CONTROLLER_CMD</a:t>
+            </a:r>
+          </a:p>
+          <a:p>
+            <a:pPr lvl="2"/>
+            <a:r>
+              <a:rPr lang="en-US" altLang="zh-CN" dirty="0"/>
+              <a:t>CMD_TYPE_ADD_SFF to </a:t>
+            </a:r>
+            <a:r>
+              <a:rPr lang="en-US" altLang="zh-CN" dirty="0" err="1"/>
+              <a:t>bessController</a:t>
+            </a:r>
+            <a:endParaRPr lang="en-US" altLang="zh-CN" dirty="0"/>
+          </a:p>
+          <a:p>
+            <a:pPr lvl="1"/>
+            <a:r>
+              <a:rPr lang="sv-SE" altLang="zh-CN" dirty="0"/>
+              <a:t>MSG_TYPE_DOCKER_CONTROLLER_CMD</a:t>
+            </a:r>
+          </a:p>
+          <a:p>
+            <a:pPr lvl="2"/>
+            <a:r>
+              <a:rPr lang="en-US" altLang="zh-CN" dirty="0"/>
+              <a:t>CMD_TYPE_ADD_SFCI  to </a:t>
+            </a:r>
+            <a:r>
+              <a:rPr lang="en-US" altLang="zh-CN" dirty="0" err="1"/>
+              <a:t>dockerController</a:t>
+            </a:r>
+            <a:endParaRPr lang="en-US" altLang="zh-CN" dirty="0"/>
+          </a:p>
+        </p:txBody>
+      </p:sp>
+    </p:spTree>
+    <p:extLst>
+      <p:ext uri="{BB962C8B-B14F-4D97-AF65-F5344CB8AC3E}">
+        <p14:creationId xmlns:p14="http://schemas.microsoft.com/office/powerpoint/2010/main" val="2719391018"/>
+      </p:ext>
+    </p:extLst>
+  </p:cSld>
+  <p:clrMapOvr>
+    <a:masterClrMapping/>
+  </p:clrMapOvr>
+</p:sld>
+</file>
+
+<file path=ppt/slides/slide6.xml><?xml version="1.0" encoding="utf-8"?>
+<p:sld xmlns:a="http://schemas.openxmlformats.org/drawingml/2006/main" xmlns:r="http://schemas.openxmlformats.org/officeDocument/2006/relationships" xmlns:p="http://schemas.openxmlformats.org/presentationml/2006/main">
+  <p:cSld>
+    <p:spTree>
+      <p:nvGrpSpPr>
+        <p:cNvPr id="1" name=""/>
+        <p:cNvGrpSpPr/>
+        <p:nvPr/>
+      </p:nvGrpSpPr>
+      <p:grpSpPr>
+        <a:xfrm>
+          <a:off x="0" y="0"/>
+          <a:ext cx="0" cy="0"/>
+          <a:chOff x="0" y="0"/>
+          <a:chExt cx="0" cy="0"/>
+        </a:xfrm>
+      </p:grpSpPr>
+      <p:sp>
+        <p:nvSpPr>
+          <p:cNvPr id="2" name="标题 1">
+            <a:extLst>
+              <a:ext uri="{FF2B5EF4-FFF2-40B4-BE49-F238E27FC236}">
+                <a16:creationId xmlns:a16="http://schemas.microsoft.com/office/drawing/2014/main" id="{357FCA26-1A10-444C-9FF5-33F0542D1099}"/>
+              </a:ext>
+            </a:extLst>
+          </p:cNvPr>
+          <p:cNvSpPr>
+            <a:spLocks noGrp="1"/>
+          </p:cNvSpPr>
+          <p:nvPr>
+            <p:ph type="title"/>
+          </p:nvPr>
+        </p:nvSpPr>
+        <p:spPr/>
+        <p:txBody>
+          <a:bodyPr/>
+          <a:lstStyle/>
+          <a:p>
+            <a:r>
+              <a:rPr lang="en-US" altLang="zh-CN" dirty="0"/>
+              <a:t>WorkFlow1 – P4 switch</a:t>
+            </a:r>
+            <a:endParaRPr lang="zh-CN" altLang="en-US" dirty="0"/>
+          </a:p>
+        </p:txBody>
+      </p:sp>
+      <p:sp>
+        <p:nvSpPr>
+          <p:cNvPr id="3" name="内容占位符 2">
+            <a:extLst>
+              <a:ext uri="{FF2B5EF4-FFF2-40B4-BE49-F238E27FC236}">
+                <a16:creationId xmlns:a16="http://schemas.microsoft.com/office/drawing/2014/main" id="{0C634C03-9CEA-4A71-9903-E5BD77802D8F}"/>
+              </a:ext>
+            </a:extLst>
+          </p:cNvPr>
+          <p:cNvSpPr>
+            <a:spLocks noGrp="1"/>
+          </p:cNvSpPr>
+          <p:nvPr>
+            <p:ph idx="1"/>
+          </p:nvPr>
+        </p:nvSpPr>
+        <p:spPr/>
+        <p:txBody>
+          <a:bodyPr>
+            <a:normAutofit fontScale="85000" lnSpcReduction="20000"/>
+          </a:bodyPr>
+          <a:lstStyle/>
+          <a:p>
+            <a:r>
+              <a:rPr lang="en-US" altLang="zh-CN" dirty="0"/>
+              <a:t>Input: </a:t>
+            </a:r>
+          </a:p>
+          <a:p>
+            <a:pPr lvl="1"/>
+            <a:r>
+              <a:rPr lang="en-US" altLang="zh-CN" dirty="0"/>
+              <a:t>MSG_TYPE_MEDIATOR_CMD </a:t>
+            </a:r>
+          </a:p>
+          <a:p>
+            <a:pPr lvl="2"/>
+            <a:r>
+              <a:rPr lang="en-US" altLang="zh-CN" dirty="0"/>
+              <a:t>get</a:t>
+            </a:r>
+            <a:r>
+              <a:rPr lang="zh-CN" altLang="en-US" dirty="0"/>
+              <a:t> </a:t>
+            </a:r>
+            <a:r>
+              <a:rPr lang="en-US" altLang="zh-CN" dirty="0"/>
+              <a:t>CMD_TYPE_ADD_SFCI from orchestration</a:t>
+            </a:r>
+          </a:p>
+          <a:p>
+            <a:r>
+              <a:rPr lang="en-US" altLang="zh-CN" dirty="0"/>
+              <a:t>Process:</a:t>
+            </a:r>
+          </a:p>
+          <a:p>
+            <a:pPr lvl="1"/>
+            <a:r>
+              <a:rPr lang="en-US" altLang="zh-CN" dirty="0"/>
+              <a:t>Store this command, its state: (state, state, state)</a:t>
+            </a:r>
+          </a:p>
+          <a:p>
+            <a:pPr lvl="1"/>
+            <a:r>
+              <a:rPr lang="zh-CN" altLang="en-US" dirty="0"/>
+              <a:t>先发送给</a:t>
+            </a:r>
+            <a:r>
+              <a:rPr lang="en-US" altLang="zh-CN" dirty="0" err="1"/>
+              <a:t>bessController</a:t>
+            </a:r>
+            <a:r>
+              <a:rPr lang="zh-CN" altLang="en-US" dirty="0"/>
+              <a:t>；再发送</a:t>
+            </a:r>
+            <a:r>
+              <a:rPr lang="en-US" altLang="zh-CN" dirty="0" err="1"/>
+              <a:t>dockerController</a:t>
+            </a:r>
+            <a:r>
+              <a:rPr lang="zh-CN" altLang="en-US" dirty="0"/>
+              <a:t>，需要</a:t>
+            </a:r>
+            <a:r>
+              <a:rPr lang="en-US" altLang="zh-CN" dirty="0"/>
+              <a:t>state</a:t>
+            </a:r>
+            <a:r>
+              <a:rPr lang="zh-CN" altLang="en-US" dirty="0"/>
+              <a:t>状态机的转换</a:t>
+            </a:r>
+            <a:endParaRPr lang="en-US" altLang="zh-CN" dirty="0"/>
+          </a:p>
+          <a:p>
+            <a:r>
+              <a:rPr lang="en-US" altLang="zh-CN" dirty="0"/>
+              <a:t>Output:</a:t>
+            </a:r>
+          </a:p>
+          <a:p>
+            <a:pPr lvl="1"/>
+            <a:r>
+              <a:rPr lang="nb-NO" altLang="zh-CN" dirty="0"/>
+              <a:t>MSG_TYPE_NETWORK_CONTROLLER_CMD</a:t>
+            </a:r>
+            <a:endParaRPr lang="en-US" altLang="zh-CN" dirty="0"/>
+          </a:p>
+          <a:p>
+            <a:pPr lvl="2"/>
+            <a:r>
+              <a:rPr lang="en-US" altLang="zh-CN" dirty="0"/>
+              <a:t>CMD_TYPE_ADD_SFCI to </a:t>
+            </a:r>
+            <a:r>
+              <a:rPr lang="en-US" altLang="zh-CN" dirty="0" err="1"/>
+              <a:t>networkController</a:t>
+            </a:r>
+            <a:endParaRPr lang="en-US" altLang="zh-CN" dirty="0"/>
+          </a:p>
+          <a:p>
+            <a:pPr lvl="1"/>
+            <a:r>
+              <a:rPr lang="fr-FR" altLang="zh-CN" strike="sngStrike" dirty="0"/>
+              <a:t>MSG_TYPE_CLASSIFIER_CONTROLLER_CMD</a:t>
+            </a:r>
+            <a:endParaRPr lang="en-US" altLang="zh-CN" strike="sngStrike" dirty="0"/>
+          </a:p>
+          <a:p>
+            <a:pPr lvl="2"/>
+            <a:r>
+              <a:rPr lang="en-US" altLang="zh-CN" strike="sngStrike" dirty="0"/>
+              <a:t>CMD_TYPE_ADD_SFCI to </a:t>
+            </a:r>
+            <a:r>
+              <a:rPr lang="en-US" altLang="zh-CN" strike="sngStrike" dirty="0" err="1"/>
+              <a:t>classifierController</a:t>
+            </a:r>
+            <a:endParaRPr lang="en-US" altLang="zh-CN" strike="sngStrike" dirty="0"/>
+          </a:p>
+          <a:p>
+            <a:pPr lvl="1"/>
+            <a:r>
+              <a:rPr lang="en-US" altLang="zh-CN" dirty="0"/>
+              <a:t>MSG_TYPE_BESS_CONTROLLER_CMD</a:t>
+            </a:r>
+          </a:p>
+          <a:p>
+            <a:pPr lvl="2"/>
+            <a:r>
+              <a:rPr lang="en-US" altLang="zh-CN" dirty="0"/>
+              <a:t>CMD_TYPE_ADD_SFF to </a:t>
+            </a:r>
+            <a:r>
+              <a:rPr lang="en-US" altLang="zh-CN" dirty="0" err="1"/>
+              <a:t>bessController</a:t>
+            </a:r>
+            <a:endParaRPr lang="en-US" altLang="zh-CN" dirty="0"/>
+          </a:p>
+          <a:p>
+            <a:pPr lvl="1"/>
+            <a:r>
+              <a:rPr lang="sv-SE" altLang="zh-CN" dirty="0"/>
+              <a:t>MSG_TYPE_DOCKER_CONTROLLER_CMD</a:t>
+            </a:r>
+          </a:p>
+          <a:p>
+            <a:pPr lvl="2"/>
+            <a:r>
+              <a:rPr lang="en-US" altLang="zh-CN" dirty="0"/>
+              <a:t>CMD_TYPE_ADD_SFCI  to </a:t>
+            </a:r>
+            <a:r>
+              <a:rPr lang="en-US" altLang="zh-CN" dirty="0" err="1"/>
+              <a:t>dockerController</a:t>
+            </a:r>
+            <a:endParaRPr lang="en-US" altLang="zh-CN" dirty="0"/>
+          </a:p>
+          <a:p>
+            <a:endParaRPr lang="zh-CN" altLang="en-US" dirty="0"/>
+          </a:p>
+        </p:txBody>
+      </p:sp>
+    </p:spTree>
+    <p:extLst>
+      <p:ext uri="{BB962C8B-B14F-4D97-AF65-F5344CB8AC3E}">
+        <p14:creationId xmlns:p14="http://schemas.microsoft.com/office/powerpoint/2010/main" val="2577170111"/>
+      </p:ext>
+    </p:extLst>
+  </p:cSld>
+  <p:clrMapOvr>
+    <a:masterClrMapping/>
+  </p:clrMapOvr>
+</p:sld>
+</file>
+
+<file path=ppt/slides/slide7.xml><?xml version="1.0" encoding="utf-8"?>
+<p:sld xmlns:a="http://schemas.openxmlformats.org/drawingml/2006/main" xmlns:r="http://schemas.openxmlformats.org/officeDocument/2006/relationships" xmlns:p="http://schemas.openxmlformats.org/presentationml/2006/main">
+  <p:cSld>
+    <p:spTree>
+      <p:nvGrpSpPr>
+        <p:cNvPr id="1" name=""/>
+        <p:cNvGrpSpPr/>
+        <p:nvPr/>
+      </p:nvGrpSpPr>
+      <p:grpSpPr>
+        <a:xfrm>
+          <a:off x="0" y="0"/>
+          <a:ext cx="0" cy="0"/>
+          <a:chOff x="0" y="0"/>
+          <a:chExt cx="0" cy="0"/>
+        </a:xfrm>
+      </p:grpSpPr>
+      <p:sp>
+        <p:nvSpPr>
+          <p:cNvPr id="2" name="标题 1">
+            <a:extLst>
+              <a:ext uri="{FF2B5EF4-FFF2-40B4-BE49-F238E27FC236}">
+                <a16:creationId xmlns:a16="http://schemas.microsoft.com/office/drawing/2014/main" id="{357FCA26-1A10-444C-9FF5-33F0542D1099}"/>
+              </a:ext>
+            </a:extLst>
+          </p:cNvPr>
+          <p:cNvSpPr>
+            <a:spLocks noGrp="1"/>
+          </p:cNvSpPr>
+          <p:nvPr>
+            <p:ph type="title"/>
+          </p:nvPr>
+        </p:nvSpPr>
+        <p:spPr/>
+        <p:txBody>
+          <a:bodyPr/>
+          <a:lstStyle/>
+          <a:p>
+            <a:r>
+              <a:rPr lang="en-US" altLang="zh-CN" dirty="0"/>
+              <a:t>WorkFlow2- SDN switch</a:t>
+            </a:r>
+            <a:endParaRPr lang="zh-CN" altLang="en-US" dirty="0"/>
+          </a:p>
+        </p:txBody>
+      </p:sp>
+      <p:sp>
+        <p:nvSpPr>
+          <p:cNvPr id="3" name="内容占位符 2">
+            <a:extLst>
+              <a:ext uri="{FF2B5EF4-FFF2-40B4-BE49-F238E27FC236}">
+                <a16:creationId xmlns:a16="http://schemas.microsoft.com/office/drawing/2014/main" id="{0C634C03-9CEA-4A71-9903-E5BD77802D8F}"/>
+              </a:ext>
+            </a:extLst>
+          </p:cNvPr>
+          <p:cNvSpPr>
+            <a:spLocks noGrp="1"/>
+          </p:cNvSpPr>
+          <p:nvPr>
+            <p:ph idx="1"/>
+          </p:nvPr>
+        </p:nvSpPr>
+        <p:spPr/>
+        <p:txBody>
+          <a:bodyPr>
+            <a:normAutofit fontScale="85000" lnSpcReduction="20000"/>
+          </a:bodyPr>
+          <a:lstStyle/>
+          <a:p>
+            <a:r>
+              <a:rPr lang="en-US" altLang="zh-CN" dirty="0"/>
+              <a:t>Input: </a:t>
+            </a:r>
+          </a:p>
+          <a:p>
+            <a:pPr lvl="1"/>
+            <a:r>
+              <a:rPr lang="en-US" altLang="zh-CN" dirty="0"/>
+              <a:t>MSG_TYPE_MEDIATOR_CMD </a:t>
+            </a:r>
+          </a:p>
+          <a:p>
+            <a:pPr lvl="2"/>
+            <a:r>
+              <a:rPr lang="en-US" altLang="zh-CN" dirty="0"/>
+              <a:t>get</a:t>
+            </a:r>
+            <a:r>
+              <a:rPr lang="zh-CN" altLang="en-US" dirty="0"/>
+              <a:t> </a:t>
+            </a:r>
+            <a:r>
+              <a:rPr lang="en-US" altLang="zh-CN" dirty="0"/>
+              <a:t>CMD_TYPE_DEL_SFCI from orchestration</a:t>
+            </a:r>
+          </a:p>
+          <a:p>
+            <a:r>
+              <a:rPr lang="en-US" altLang="zh-CN" dirty="0"/>
+              <a:t>Process:</a:t>
+            </a:r>
+          </a:p>
+          <a:p>
+            <a:pPr lvl="1"/>
+            <a:r>
+              <a:rPr lang="en-US" altLang="zh-CN" dirty="0"/>
+              <a:t>Store this command, its state: (state, state, state, state)</a:t>
+            </a:r>
+          </a:p>
+          <a:p>
+            <a:r>
+              <a:rPr lang="en-US" altLang="zh-CN" dirty="0"/>
+              <a:t>Output:</a:t>
+            </a:r>
+          </a:p>
+          <a:p>
+            <a:pPr lvl="1"/>
+            <a:r>
+              <a:rPr lang="nb-NO" altLang="zh-CN" dirty="0"/>
+              <a:t>MSG_TYPE_NETWORK_CONTROLLER_CMD</a:t>
+            </a:r>
+            <a:endParaRPr lang="en-US" altLang="zh-CN" dirty="0"/>
+          </a:p>
+          <a:p>
+            <a:pPr lvl="2"/>
+            <a:r>
+              <a:rPr lang="it-IT" altLang="zh-CN" dirty="0"/>
+              <a:t>CMD_TYPE_DEL_SFCI </a:t>
+            </a:r>
+            <a:r>
+              <a:rPr lang="en-US" altLang="zh-CN" dirty="0"/>
+              <a:t>to </a:t>
+            </a:r>
+            <a:r>
+              <a:rPr lang="en-US" altLang="zh-CN" dirty="0" err="1"/>
+              <a:t>RyuController</a:t>
+            </a:r>
+            <a:endParaRPr lang="en-US" altLang="zh-CN" dirty="0"/>
+          </a:p>
+          <a:p>
+            <a:pPr lvl="1"/>
+            <a:r>
+              <a:rPr lang="fr-FR" altLang="zh-CN" dirty="0"/>
+              <a:t>MSG_TYPE_CLASSIFIER_CONTROLLER_CMD</a:t>
+            </a:r>
+            <a:endParaRPr lang="en-US" altLang="zh-CN" dirty="0"/>
+          </a:p>
+          <a:p>
+            <a:pPr lvl="2"/>
+            <a:r>
+              <a:rPr lang="en-US" altLang="zh-CN" dirty="0"/>
+              <a:t>CMD_TYPE_DEL_CLASSIFIER_SFCI to </a:t>
+            </a:r>
+            <a:r>
+              <a:rPr lang="en-US" altLang="zh-CN" dirty="0" err="1"/>
+              <a:t>classifierController</a:t>
+            </a:r>
+            <a:endParaRPr lang="en-US" altLang="zh-CN" dirty="0"/>
+          </a:p>
+          <a:p>
+            <a:pPr lvl="1"/>
+            <a:r>
+              <a:rPr lang="en-US" altLang="zh-CN" dirty="0"/>
+              <a:t>MSG_TYPE_BESS_CONTROLLER_CMD</a:t>
+            </a:r>
+          </a:p>
+          <a:p>
+            <a:pPr lvl="2"/>
+            <a:r>
+              <a:rPr lang="it-IT" altLang="zh-CN" dirty="0"/>
+              <a:t>CMD_TYPE_DEL_SFF_SFCI</a:t>
+            </a:r>
+            <a:r>
+              <a:rPr lang="en-US" altLang="zh-CN" dirty="0"/>
+              <a:t> to </a:t>
+            </a:r>
+            <a:r>
+              <a:rPr lang="en-US" altLang="zh-CN" dirty="0" err="1"/>
+              <a:t>bessController</a:t>
+            </a:r>
+            <a:endParaRPr lang="en-US" altLang="zh-CN" dirty="0"/>
+          </a:p>
+          <a:p>
+            <a:pPr lvl="1"/>
+            <a:r>
+              <a:rPr lang="sv-SE" altLang="zh-CN" dirty="0"/>
+              <a:t>MSG_TYPE_DOCKER_CONTROLLER_CMD</a:t>
+            </a:r>
+          </a:p>
+          <a:p>
+            <a:pPr lvl="2"/>
+            <a:r>
+              <a:rPr lang="en-US" altLang="zh-CN" dirty="0"/>
+              <a:t>CMD_TYPE_DEL_VNFI to </a:t>
+            </a:r>
+            <a:r>
+              <a:rPr lang="en-US" altLang="zh-CN" dirty="0" err="1"/>
+              <a:t>dockerController</a:t>
+            </a:r>
+            <a:endParaRPr lang="en-US" altLang="zh-CN" dirty="0"/>
+          </a:p>
+        </p:txBody>
+      </p:sp>
+    </p:spTree>
+    <p:extLst>
+      <p:ext uri="{BB962C8B-B14F-4D97-AF65-F5344CB8AC3E}">
+        <p14:creationId xmlns:p14="http://schemas.microsoft.com/office/powerpoint/2010/main" val="3080134776"/>
+      </p:ext>
+    </p:extLst>
+  </p:cSld>
+  <p:clrMapOvr>
+    <a:masterClrMapping/>
+  </p:clrMapOvr>
+</p:sld>
+</file>
+
+<file path=ppt/slides/slide8.xml><?xml version="1.0" encoding="utf-8"?>
+<p:sld xmlns:a="http://schemas.openxmlformats.org/drawingml/2006/main" xmlns:r="http://schemas.openxmlformats.org/officeDocument/2006/relationships" xmlns:p="http://schemas.openxmlformats.org/presentationml/2006/main">
+  <p:cSld>
+    <p:spTree>
+      <p:nvGrpSpPr>
+        <p:cNvPr id="1" name=""/>
+        <p:cNvGrpSpPr/>
+        <p:nvPr/>
+      </p:nvGrpSpPr>
+      <p:grpSpPr>
+        <a:xfrm>
+          <a:off x="0" y="0"/>
+          <a:ext cx="0" cy="0"/>
+          <a:chOff x="0" y="0"/>
+          <a:chExt cx="0" cy="0"/>
+        </a:xfrm>
+      </p:grpSpPr>
+      <p:sp>
+        <p:nvSpPr>
+          <p:cNvPr id="2" name="标题 1">
+            <a:extLst>
+              <a:ext uri="{FF2B5EF4-FFF2-40B4-BE49-F238E27FC236}">
+                <a16:creationId xmlns:a16="http://schemas.microsoft.com/office/drawing/2014/main" id="{357FCA26-1A10-444C-9FF5-33F0542D1099}"/>
+              </a:ext>
+            </a:extLst>
+          </p:cNvPr>
+          <p:cNvSpPr>
+            <a:spLocks noGrp="1"/>
+          </p:cNvSpPr>
+          <p:nvPr>
+            <p:ph type="title"/>
+          </p:nvPr>
+        </p:nvSpPr>
+        <p:spPr/>
+        <p:txBody>
+          <a:bodyPr/>
+          <a:lstStyle/>
+          <a:p>
+            <a:r>
+              <a:rPr lang="en-US" altLang="zh-CN" dirty="0"/>
+              <a:t>WorkFlow2- P4 switch</a:t>
+            </a:r>
+            <a:endParaRPr lang="zh-CN" altLang="en-US" dirty="0"/>
+          </a:p>
+        </p:txBody>
+      </p:sp>
+      <p:sp>
+        <p:nvSpPr>
+          <p:cNvPr id="3" name="内容占位符 2">
+            <a:extLst>
+              <a:ext uri="{FF2B5EF4-FFF2-40B4-BE49-F238E27FC236}">
+                <a16:creationId xmlns:a16="http://schemas.microsoft.com/office/drawing/2014/main" id="{0C634C03-9CEA-4A71-9903-E5BD77802D8F}"/>
+              </a:ext>
+            </a:extLst>
+          </p:cNvPr>
+          <p:cNvSpPr>
+            <a:spLocks noGrp="1"/>
+          </p:cNvSpPr>
+          <p:nvPr>
+            <p:ph idx="1"/>
+          </p:nvPr>
+        </p:nvSpPr>
+        <p:spPr/>
+        <p:txBody>
+          <a:bodyPr>
+            <a:normAutofit fontScale="85000" lnSpcReduction="20000"/>
+          </a:bodyPr>
+          <a:lstStyle/>
+          <a:p>
+            <a:r>
+              <a:rPr lang="en-US" altLang="zh-CN" dirty="0"/>
+              <a:t>Input: </a:t>
+            </a:r>
+          </a:p>
+          <a:p>
+            <a:pPr lvl="1"/>
+            <a:r>
+              <a:rPr lang="en-US" altLang="zh-CN" dirty="0"/>
+              <a:t>MSG_TYPE_MEDIATOR_CMD </a:t>
+            </a:r>
+          </a:p>
+          <a:p>
+            <a:pPr lvl="2"/>
+            <a:r>
+              <a:rPr lang="en-US" altLang="zh-CN" dirty="0"/>
+              <a:t>get</a:t>
+            </a:r>
+            <a:r>
+              <a:rPr lang="zh-CN" altLang="en-US" dirty="0"/>
+              <a:t> </a:t>
+            </a:r>
+            <a:r>
+              <a:rPr lang="en-US" altLang="zh-CN" dirty="0"/>
+              <a:t>CMD_TYPE_DEL_SFCI from orchestration</a:t>
+            </a:r>
+          </a:p>
+          <a:p>
+            <a:r>
+              <a:rPr lang="en-US" altLang="zh-CN" dirty="0"/>
+              <a:t>Process:</a:t>
+            </a:r>
+          </a:p>
+          <a:p>
+            <a:pPr lvl="1"/>
+            <a:r>
+              <a:rPr lang="en-US" altLang="zh-CN" dirty="0"/>
+              <a:t>Store this command, its state: (state, state, state)</a:t>
+            </a:r>
+          </a:p>
+          <a:p>
+            <a:r>
+              <a:rPr lang="en-US" altLang="zh-CN" dirty="0"/>
+              <a:t>Output:</a:t>
+            </a:r>
+          </a:p>
+          <a:p>
+            <a:pPr lvl="1"/>
+            <a:r>
+              <a:rPr lang="nb-NO" altLang="zh-CN" dirty="0"/>
+              <a:t>MSG_TYPE_NETWORK_CONTROLLER_CMD</a:t>
+            </a:r>
+            <a:endParaRPr lang="en-US" altLang="zh-CN" dirty="0"/>
+          </a:p>
+          <a:p>
+            <a:pPr lvl="2"/>
+            <a:r>
+              <a:rPr lang="it-IT" altLang="zh-CN" dirty="0"/>
+              <a:t>CMD_TYPE_DEL_SFCI </a:t>
+            </a:r>
+            <a:r>
+              <a:rPr lang="en-US" altLang="zh-CN" dirty="0"/>
+              <a:t>to </a:t>
+            </a:r>
+            <a:r>
+              <a:rPr lang="en-US" altLang="zh-CN" dirty="0" err="1"/>
+              <a:t>networkController</a:t>
+            </a:r>
+            <a:endParaRPr lang="en-US" altLang="zh-CN" dirty="0"/>
+          </a:p>
+          <a:p>
+            <a:pPr lvl="1"/>
+            <a:r>
+              <a:rPr lang="fr-FR" altLang="zh-CN" strike="sngStrike" dirty="0"/>
+              <a:t>MSG_TYPE_CLASSIFIER_CONTROLLER_CMD</a:t>
+            </a:r>
+            <a:endParaRPr lang="en-US" altLang="zh-CN" strike="sngStrike" dirty="0"/>
+          </a:p>
+          <a:p>
+            <a:pPr lvl="2"/>
+            <a:r>
+              <a:rPr lang="en-US" altLang="zh-CN" strike="sngStrike" dirty="0"/>
+              <a:t>CMD_TYPE_DEL_CLASSIFIER_SFCI to </a:t>
+            </a:r>
+            <a:r>
+              <a:rPr lang="en-US" altLang="zh-CN" strike="sngStrike" dirty="0" err="1"/>
+              <a:t>classifierController</a:t>
+            </a:r>
+            <a:endParaRPr lang="en-US" altLang="zh-CN" strike="sngStrike" dirty="0"/>
+          </a:p>
+          <a:p>
+            <a:pPr lvl="1"/>
+            <a:r>
+              <a:rPr lang="en-US" altLang="zh-CN" dirty="0"/>
+              <a:t>MSG_TYPE_BESS_CONTROLLER_CMD</a:t>
+            </a:r>
+          </a:p>
+          <a:p>
+            <a:pPr lvl="2"/>
+            <a:r>
+              <a:rPr lang="it-IT" altLang="zh-CN" dirty="0"/>
+              <a:t>CMD_TYPE_DEL_SFF_SFCI</a:t>
+            </a:r>
+            <a:r>
+              <a:rPr lang="en-US" altLang="zh-CN" dirty="0"/>
+              <a:t> to </a:t>
+            </a:r>
+            <a:r>
+              <a:rPr lang="en-US" altLang="zh-CN" dirty="0" err="1"/>
+              <a:t>bessController</a:t>
+            </a:r>
+            <a:endParaRPr lang="en-US" altLang="zh-CN" dirty="0"/>
+          </a:p>
+          <a:p>
+            <a:pPr lvl="1"/>
+            <a:r>
+              <a:rPr lang="sv-SE" altLang="zh-CN" dirty="0"/>
+              <a:t>MSG_TYPE_DOCKER_CONTROLLER_CMD</a:t>
+            </a:r>
+          </a:p>
+          <a:p>
+            <a:pPr lvl="2"/>
+            <a:r>
+              <a:rPr lang="en-US" altLang="zh-CN" dirty="0"/>
+              <a:t>CMD_TYPE_DEL_VNFI to </a:t>
+            </a:r>
+            <a:r>
+              <a:rPr lang="en-US" altLang="zh-CN" dirty="0" err="1"/>
+              <a:t>dockerController</a:t>
+            </a:r>
+            <a:endParaRPr lang="en-US" altLang="zh-CN" dirty="0"/>
+          </a:p>
+        </p:txBody>
+      </p:sp>
+    </p:spTree>
+    <p:extLst>
+      <p:ext uri="{BB962C8B-B14F-4D97-AF65-F5344CB8AC3E}">
+        <p14:creationId xmlns:p14="http://schemas.microsoft.com/office/powerpoint/2010/main" val="783848024"/>
+      </p:ext>
+    </p:extLst>
+  </p:cSld>
+  <p:clrMapOvr>
+    <a:masterClrMapping/>
+  </p:clrMapOvr>
+</p:sld>
+</file>
+
+<file path=ppt/slides/slide9.xml><?xml version="1.0" encoding="utf-8"?>
+<p:sld xmlns:a="http://schemas.openxmlformats.org/drawingml/2006/main" xmlns:r="http://schemas.openxmlformats.org/officeDocument/2006/relationships" xmlns:p="http://schemas.openxmlformats.org/presentationml/2006/main">
+  <p:cSld>
+    <p:spTree>
+      <p:nvGrpSpPr>
+        <p:cNvPr id="1" name=""/>
+        <p:cNvGrpSpPr/>
+        <p:nvPr/>
+      </p:nvGrpSpPr>
+      <p:grpSpPr>
+        <a:xfrm>
+          <a:off x="0" y="0"/>
+          <a:ext cx="0" cy="0"/>
+          <a:chOff x="0" y="0"/>
+          <a:chExt cx="0" cy="0"/>
+        </a:xfrm>
+      </p:grpSpPr>
+      <p:sp>
+        <p:nvSpPr>
+          <p:cNvPr id="2" name="标题 1">
+            <a:extLst>
+              <a:ext uri="{FF2B5EF4-FFF2-40B4-BE49-F238E27FC236}">
+                <a16:creationId xmlns:a16="http://schemas.microsoft.com/office/drawing/2014/main" id="{357FCA26-1A10-444C-9FF5-33F0542D1099}"/>
+              </a:ext>
+            </a:extLst>
+          </p:cNvPr>
+          <p:cNvSpPr>
+            <a:spLocks noGrp="1"/>
+          </p:cNvSpPr>
+          <p:nvPr>
+            <p:ph type="title"/>
+          </p:nvPr>
+        </p:nvSpPr>
+        <p:spPr/>
+        <p:txBody>
+          <a:bodyPr/>
+          <a:lstStyle/>
+          <a:p>
+            <a:r>
+              <a:rPr lang="en-US" altLang="zh-CN" dirty="0"/>
+              <a:t>WorkFlow3</a:t>
+            </a:r>
+            <a:endParaRPr lang="zh-CN" altLang="en-US" dirty="0"/>
+          </a:p>
+        </p:txBody>
+      </p:sp>
+      <p:sp>
+        <p:nvSpPr>
+          <p:cNvPr id="3" name="内容占位符 2">
+            <a:extLst>
+              <a:ext uri="{FF2B5EF4-FFF2-40B4-BE49-F238E27FC236}">
+                <a16:creationId xmlns:a16="http://schemas.microsoft.com/office/drawing/2014/main" id="{0C634C03-9CEA-4A71-9903-E5BD77802D8F}"/>
+              </a:ext>
+            </a:extLst>
+          </p:cNvPr>
+          <p:cNvSpPr>
+            <a:spLocks noGrp="1"/>
+          </p:cNvSpPr>
+          <p:nvPr>
+            <p:ph idx="1"/>
+          </p:nvPr>
+        </p:nvSpPr>
+        <p:spPr/>
+        <p:txBody>
+          <a:bodyPr/>
+          <a:lstStyle/>
+          <a:p>
+            <a:r>
+              <a:rPr lang="en-US" altLang="zh-CN" dirty="0"/>
+              <a:t>Input: </a:t>
+            </a:r>
+          </a:p>
+          <a:p>
+            <a:pPr lvl="1"/>
+            <a:r>
+              <a:rPr lang="en-US" altLang="zh-CN" dirty="0"/>
+              <a:t>MSG_TYPE_MEDIATOR_CMD </a:t>
+            </a:r>
+          </a:p>
+          <a:p>
+            <a:pPr lvl="2"/>
+            <a:r>
+              <a:rPr lang="en-US" altLang="zh-CN" dirty="0"/>
+              <a:t>get</a:t>
+            </a:r>
+            <a:r>
+              <a:rPr lang="zh-CN" altLang="en-US" dirty="0"/>
+              <a:t> </a:t>
+            </a:r>
+            <a:r>
+              <a:rPr lang="en-US" altLang="zh-CN" dirty="0"/>
+              <a:t>CMD_TYPE_GET_SERVER_SET from measurement</a:t>
+            </a:r>
+          </a:p>
+          <a:p>
+            <a:r>
+              <a:rPr lang="en-US" altLang="zh-CN" dirty="0"/>
+              <a:t>Process:</a:t>
+            </a:r>
+          </a:p>
+          <a:p>
+            <a:pPr lvl="1"/>
+            <a:r>
+              <a:rPr lang="en-US" altLang="zh-CN" dirty="0"/>
+              <a:t>Store this command, its state</a:t>
+            </a:r>
+          </a:p>
+          <a:p>
+            <a:r>
+              <a:rPr lang="en-US" altLang="zh-CN" dirty="0"/>
+              <a:t>Output:</a:t>
+            </a:r>
+          </a:p>
+          <a:p>
+            <a:pPr lvl="1"/>
+            <a:r>
+              <a:rPr lang="en-US" altLang="zh-CN" dirty="0"/>
+              <a:t>MSG_TYPE_SERVER_MANAGER_CMD</a:t>
+            </a:r>
+          </a:p>
+          <a:p>
+            <a:pPr lvl="2"/>
+            <a:r>
+              <a:rPr lang="en-US" altLang="zh-CN" dirty="0"/>
+              <a:t>CMD_TYPE_GET_SERVER_SET to SERVER_MANAGER</a:t>
+            </a:r>
+          </a:p>
+        </p:txBody>
+      </p:sp>
+    </p:spTree>
+    <p:extLst>
+      <p:ext uri="{BB962C8B-B14F-4D97-AF65-F5344CB8AC3E}">
+        <p14:creationId xmlns:p14="http://schemas.microsoft.com/office/powerpoint/2010/main" val="351832915"/>
       </p:ext>
     </p:extLst>
   </p:cSld>
